--- a/ParkinsonML_Pitch.pptx
+++ b/ParkinsonML_Pitch.pptx
@@ -262,7 +262,7 @@
           <a:p>
             <a:fld id="{E8E393E5-555B-40FF-B464-1631ED83EBCD}" type="datetimeFigureOut">
               <a:rPr lang="nl-NL" smtClean="0"/>
-              <a:t>4-5-2019</a:t>
+              <a:t>5-5-2019</a:t>
             </a:fld>
             <a:endParaRPr lang="nl-NL"/>
           </a:p>
@@ -16471,8 +16471,8 @@
           </a:prstGeom>
         </p:spPr>
       </p:pic>
-      <mc:AlternateContent xmlns:mc="http://schemas.openxmlformats.org/markup-compatibility/2006">
-        <mc:Choice xmlns:a14="http://schemas.microsoft.com/office/drawing/2010/main" Requires="a14">
+      <mc:AlternateContent xmlns:mc="http://schemas.openxmlformats.org/markup-compatibility/2006" xmlns:a14="http://schemas.microsoft.com/office/drawing/2010/main">
+        <mc:Choice Requires="a14">
           <p:sp>
             <p:nvSpPr>
               <p:cNvPr id="14" name="Tekstvak 13">
@@ -16501,6 +16501,7 @@
               </a:bodyPr>
               <a:lstStyle/>
               <a:p>
+                <a:pPr/>
                 <a14:m>
                   <m:oMathPara xmlns:m="http://schemas.openxmlformats.org/officeDocument/2006/math">
                     <m:oMathParaPr>
@@ -16580,7 +16581,7 @@
             </p:txBody>
           </p:sp>
         </mc:Choice>
-        <mc:Fallback>
+        <mc:Fallback xmlns="">
           <p:sp>
             <p:nvSpPr>
               <p:cNvPr id="14" name="Tekstvak 13">
@@ -16675,8 +16676,8 @@
           </a:p>
         </p:txBody>
       </p:sp>
-      <mc:AlternateContent xmlns:mc="http://schemas.openxmlformats.org/markup-compatibility/2006">
-        <mc:Choice xmlns:a14="http://schemas.microsoft.com/office/drawing/2010/main" Requires="a14">
+      <mc:AlternateContent xmlns:mc="http://schemas.openxmlformats.org/markup-compatibility/2006" xmlns:a14="http://schemas.microsoft.com/office/drawing/2010/main">
+        <mc:Choice Requires="a14">
           <p:sp>
             <p:nvSpPr>
               <p:cNvPr id="17" name="Tekstvak 16">
@@ -16705,6 +16706,7 @@
               </a:bodyPr>
               <a:lstStyle/>
               <a:p>
+                <a:pPr/>
                 <a14:m>
                   <m:oMathPara xmlns:m="http://schemas.openxmlformats.org/officeDocument/2006/math">
                     <m:oMathParaPr>
@@ -16778,7 +16780,7 @@
             </p:txBody>
           </p:sp>
         </mc:Choice>
-        <mc:Fallback>
+        <mc:Fallback xmlns="">
           <p:sp>
             <p:nvSpPr>
               <p:cNvPr id="17" name="Tekstvak 16">
@@ -16823,6 +16825,42 @@
           </p:sp>
         </mc:Fallback>
       </mc:AlternateContent>
+      <p:pic>
+        <p:nvPicPr>
+          <p:cNvPr id="4" name="Afbeelding 3">
+            <a:extLst>
+              <a:ext uri="{FF2B5EF4-FFF2-40B4-BE49-F238E27FC236}">
+                <a16:creationId xmlns:a16="http://schemas.microsoft.com/office/drawing/2014/main" id="{FE130496-FD5F-4113-B6D6-FCF302D64869}"/>
+              </a:ext>
+            </a:extLst>
+          </p:cNvPr>
+          <p:cNvPicPr>
+            <a:picLocks noChangeAspect="1"/>
+          </p:cNvPicPr>
+          <p:nvPr/>
+        </p:nvPicPr>
+        <p:blipFill>
+          <a:blip r:embed="rId6" cstate="print">
+            <a:extLst>
+              <a:ext uri="{28A0092B-C50C-407E-A947-70E740481C1C}">
+                <a14:useLocalDpi xmlns:a14="http://schemas.microsoft.com/office/drawing/2010/main" val="0"/>
+              </a:ext>
+            </a:extLst>
+          </a:blip>
+          <a:stretch>
+            <a:fillRect/>
+          </a:stretch>
+        </p:blipFill>
+        <p:spPr>
+          <a:xfrm>
+            <a:off x="7846677" y="1359646"/>
+            <a:ext cx="3980829" cy="1613158"/>
+          </a:xfrm>
+          <a:prstGeom prst="rect">
+            <a:avLst/>
+          </a:prstGeom>
+        </p:spPr>
+      </p:pic>
     </p:spTree>
     <p:extLst>
       <p:ext uri="{BB962C8B-B14F-4D97-AF65-F5344CB8AC3E}">
@@ -16854,7 +16892,7 @@
                             </p:stCondLst>
                             <p:childTnLst>
                               <p:par>
-                                <p:cTn id="5" presetID="1" presetClass="entr" presetSubtype="0" fill="hold" grpId="0" nodeType="clickEffect">
+                                <p:cTn id="5" presetID="1" presetClass="entr" presetSubtype="0" fill="hold" nodeType="clickEffect">
                                   <p:stCondLst>
                                     <p:cond delay="0"/>
                                   </p:stCondLst>
@@ -16862,6 +16900,51 @@
                                     <p:set>
                                       <p:cBhvr>
                                         <p:cTn id="6" dur="1" fill="hold">
+                                          <p:stCondLst>
+                                            <p:cond delay="0"/>
+                                          </p:stCondLst>
+                                        </p:cTn>
+                                        <p:tgtEl>
+                                          <p:spTgt spid="4"/>
+                                        </p:tgtEl>
+                                        <p:attrNameLst>
+                                          <p:attrName>style.visibility</p:attrName>
+                                        </p:attrNameLst>
+                                      </p:cBhvr>
+                                      <p:to>
+                                        <p:strVal val="visible"/>
+                                      </p:to>
+                                    </p:set>
+                                  </p:childTnLst>
+                                </p:cTn>
+                              </p:par>
+                            </p:childTnLst>
+                          </p:cTn>
+                        </p:par>
+                      </p:childTnLst>
+                    </p:cTn>
+                  </p:par>
+                  <p:par>
+                    <p:cTn id="7" fill="hold">
+                      <p:stCondLst>
+                        <p:cond delay="indefinite"/>
+                      </p:stCondLst>
+                      <p:childTnLst>
+                        <p:par>
+                          <p:cTn id="8" fill="hold">
+                            <p:stCondLst>
+                              <p:cond delay="0"/>
+                            </p:stCondLst>
+                            <p:childTnLst>
+                              <p:par>
+                                <p:cTn id="9" presetID="1" presetClass="entr" presetSubtype="0" fill="hold" grpId="0" nodeType="clickEffect">
+                                  <p:stCondLst>
+                                    <p:cond delay="0"/>
+                                  </p:stCondLst>
+                                  <p:childTnLst>
+                                    <p:set>
+                                      <p:cBhvr>
+                                        <p:cTn id="10" dur="1" fill="hold">
                                           <p:stCondLst>
                                             <p:cond delay="0"/>
                                           </p:stCondLst>
@@ -16881,14 +16964,14 @@
                                 </p:cTn>
                               </p:par>
                               <p:par>
-                                <p:cTn id="7" presetID="1" presetClass="entr" presetSubtype="0" fill="hold" grpId="0" nodeType="withEffect">
+                                <p:cTn id="11" presetID="1" presetClass="entr" presetSubtype="0" fill="hold" grpId="0" nodeType="withEffect">
                                   <p:stCondLst>
                                     <p:cond delay="0"/>
                                   </p:stCondLst>
                                   <p:childTnLst>
                                     <p:set>
                                       <p:cBhvr>
-                                        <p:cTn id="8" dur="1" fill="hold">
+                                        <p:cTn id="12" dur="1" fill="hold">
                                           <p:stCondLst>
                                             <p:cond delay="0"/>
                                           </p:stCondLst>
@@ -16908,52 +16991,7 @@
                                 </p:cTn>
                               </p:par>
                               <p:par>
-                                <p:cTn id="9" presetID="1" presetClass="entr" presetSubtype="0" fill="hold" grpId="0" nodeType="withEffect">
-                                  <p:stCondLst>
-                                    <p:cond delay="0"/>
-                                  </p:stCondLst>
-                                  <p:childTnLst>
-                                    <p:set>
-                                      <p:cBhvr>
-                                        <p:cTn id="10" dur="1" fill="hold">
-                                          <p:stCondLst>
-                                            <p:cond delay="0"/>
-                                          </p:stCondLst>
-                                        </p:cTn>
-                                        <p:tgtEl>
-                                          <p:spTgt spid="17"/>
-                                        </p:tgtEl>
-                                        <p:attrNameLst>
-                                          <p:attrName>style.visibility</p:attrName>
-                                        </p:attrNameLst>
-                                      </p:cBhvr>
-                                      <p:to>
-                                        <p:strVal val="visible"/>
-                                      </p:to>
-                                    </p:set>
-                                  </p:childTnLst>
-                                </p:cTn>
-                              </p:par>
-                            </p:childTnLst>
-                          </p:cTn>
-                        </p:par>
-                      </p:childTnLst>
-                    </p:cTn>
-                  </p:par>
-                  <p:par>
-                    <p:cTn id="11" fill="hold">
-                      <p:stCondLst>
-                        <p:cond delay="indefinite"/>
-                      </p:stCondLst>
-                      <p:childTnLst>
-                        <p:par>
-                          <p:cTn id="12" fill="hold">
-                            <p:stCondLst>
-                              <p:cond delay="0"/>
-                            </p:stCondLst>
-                            <p:childTnLst>
-                              <p:par>
-                                <p:cTn id="13" presetID="1" presetClass="entr" presetSubtype="0" fill="hold" grpId="0" nodeType="clickEffect">
+                                <p:cTn id="13" presetID="1" presetClass="entr" presetSubtype="0" fill="hold" grpId="0" nodeType="withEffect">
                                   <p:stCondLst>
                                     <p:cond delay="0"/>
                                   </p:stCondLst>
@@ -16966,7 +17004,7 @@
                                           </p:stCondLst>
                                         </p:cTn>
                                         <p:tgtEl>
-                                          <p:spTgt spid="7"/>
+                                          <p:spTgt spid="17"/>
                                         </p:tgtEl>
                                         <p:attrNameLst>
                                           <p:attrName>style.visibility</p:attrName>
@@ -17011,11 +17049,7 @@
                                           </p:stCondLst>
                                         </p:cTn>
                                         <p:tgtEl>
-                                          <p:spTgt spid="6">
-                                            <p:txEl>
-                                              <p:pRg st="0" end="0"/>
-                                            </p:txEl>
-                                          </p:spTgt>
+                                          <p:spTgt spid="7"/>
                                         </p:tgtEl>
                                         <p:attrNameLst>
                                           <p:attrName>style.visibility</p:attrName>
@@ -17055,6 +17089,55 @@
                                     <p:set>
                                       <p:cBhvr>
                                         <p:cTn id="22" dur="1" fill="hold">
+                                          <p:stCondLst>
+                                            <p:cond delay="0"/>
+                                          </p:stCondLst>
+                                        </p:cTn>
+                                        <p:tgtEl>
+                                          <p:spTgt spid="6">
+                                            <p:txEl>
+                                              <p:pRg st="0" end="0"/>
+                                            </p:txEl>
+                                          </p:spTgt>
+                                        </p:tgtEl>
+                                        <p:attrNameLst>
+                                          <p:attrName>style.visibility</p:attrName>
+                                        </p:attrNameLst>
+                                      </p:cBhvr>
+                                      <p:to>
+                                        <p:strVal val="visible"/>
+                                      </p:to>
+                                    </p:set>
+                                  </p:childTnLst>
+                                </p:cTn>
+                              </p:par>
+                            </p:childTnLst>
+                          </p:cTn>
+                        </p:par>
+                      </p:childTnLst>
+                    </p:cTn>
+                  </p:par>
+                  <p:par>
+                    <p:cTn id="23" fill="hold">
+                      <p:stCondLst>
+                        <p:cond delay="indefinite"/>
+                      </p:stCondLst>
+                      <p:childTnLst>
+                        <p:par>
+                          <p:cTn id="24" fill="hold">
+                            <p:stCondLst>
+                              <p:cond delay="0"/>
+                            </p:stCondLst>
+                            <p:childTnLst>
+                              <p:par>
+                                <p:cTn id="25" presetID="1" presetClass="entr" presetSubtype="0" fill="hold" grpId="0" nodeType="clickEffect">
+                                  <p:stCondLst>
+                                    <p:cond delay="0"/>
+                                  </p:stCondLst>
+                                  <p:childTnLst>
+                                    <p:set>
+                                      <p:cBhvr>
+                                        <p:cTn id="26" dur="1" fill="hold">
                                           <p:stCondLst>
                                             <p:cond delay="0"/>
                                           </p:stCondLst>
@@ -18105,16 +18188,111 @@
             </a:pPr>
             <a:r>
               <a:rPr lang="en-GB" sz="2400" dirty="0"/>
+              <a:t>				Hold time x Hand</a:t>
+            </a:r>
+          </a:p>
+          <a:p>
+            <a:pPr marL="0" indent="0">
+              <a:buNone/>
+            </a:pPr>
+            <a:r>
+              <a:rPr lang="en-GB" sz="2400" dirty="0"/>
+              <a:t>				Times x Direction</a:t>
+            </a:r>
+          </a:p>
+          <a:p>
+            <a:pPr marL="0" indent="0">
+              <a:buNone/>
+            </a:pPr>
+            <a:r>
+              <a:rPr lang="en-GB" sz="2400" dirty="0"/>
+              <a:t>				Time of the day?</a:t>
+            </a:r>
+          </a:p>
+          <a:p>
+            <a:pPr marL="0" indent="0">
+              <a:buNone/>
+            </a:pPr>
+            <a:r>
+              <a:rPr lang="en-GB" sz="2400" dirty="0"/>
               <a:t>				</a:t>
             </a:r>
-            <a:r>
-              <a:rPr lang="en-GB" sz="2400"/>
-              <a:t>and others… ?</a:t>
-            </a:r>
-            <a:endParaRPr lang="en-GB" sz="2400" dirty="0"/>
           </a:p>
         </p:txBody>
       </p:sp>
+      <p:cxnSp>
+        <p:nvCxnSpPr>
+          <p:cNvPr id="5" name="Rechte verbindingslijn 4">
+            <a:extLst>
+              <a:ext uri="{FF2B5EF4-FFF2-40B4-BE49-F238E27FC236}">
+                <a16:creationId xmlns:a16="http://schemas.microsoft.com/office/drawing/2014/main" id="{277A3131-F05F-4063-9C06-5DF846210331}"/>
+              </a:ext>
+            </a:extLst>
+          </p:cNvPr>
+          <p:cNvCxnSpPr/>
+          <p:nvPr/>
+        </p:nvCxnSpPr>
+        <p:spPr>
+          <a:xfrm>
+            <a:off x="4655840" y="3501008"/>
+            <a:ext cx="6552728" cy="0"/>
+          </a:xfrm>
+          <a:prstGeom prst="line">
+            <a:avLst/>
+          </a:prstGeom>
+          <a:effectLst/>
+        </p:spPr>
+        <p:style>
+          <a:lnRef idx="3">
+            <a:schemeClr val="accent4"/>
+          </a:lnRef>
+          <a:fillRef idx="0">
+            <a:schemeClr val="accent4"/>
+          </a:fillRef>
+          <a:effectRef idx="2">
+            <a:schemeClr val="accent4"/>
+          </a:effectRef>
+          <a:fontRef idx="minor">
+            <a:schemeClr val="tx1"/>
+          </a:fontRef>
+        </p:style>
+      </p:cxnSp>
+      <p:pic>
+        <p:nvPicPr>
+          <p:cNvPr id="7" name="Afbeelding 6">
+            <a:extLst>
+              <a:ext uri="{FF2B5EF4-FFF2-40B4-BE49-F238E27FC236}">
+                <a16:creationId xmlns:a16="http://schemas.microsoft.com/office/drawing/2014/main" id="{5FE92548-485F-413A-B064-9A0F4BC2F15A}"/>
+              </a:ext>
+            </a:extLst>
+          </p:cNvPr>
+          <p:cNvPicPr>
+            <a:picLocks noChangeAspect="1"/>
+          </p:cNvPicPr>
+          <p:nvPr/>
+        </p:nvPicPr>
+        <p:blipFill>
+          <a:blip r:embed="rId2">
+            <a:extLst>
+              <a:ext uri="{28A0092B-C50C-407E-A947-70E740481C1C}">
+                <a14:useLocalDpi xmlns:a14="http://schemas.microsoft.com/office/drawing/2010/main" val="0"/>
+              </a:ext>
+            </a:extLst>
+          </a:blip>
+          <a:stretch>
+            <a:fillRect/>
+          </a:stretch>
+        </p:blipFill>
+        <p:spPr>
+          <a:xfrm>
+            <a:off x="182439" y="3715832"/>
+            <a:ext cx="4472017" cy="2981344"/>
+          </a:xfrm>
+          <a:prstGeom prst="rect">
+            <a:avLst/>
+          </a:prstGeom>
+        </p:spPr>
+      </p:pic>
     </p:spTree>
     <p:extLst>
       <p:ext uri="{BB962C8B-B14F-4D97-AF65-F5344CB8AC3E}">
@@ -18378,6 +18556,202 @@
                       </p:childTnLst>
                     </p:cTn>
                   </p:par>
+                  <p:par>
+                    <p:cTn id="23" fill="hold">
+                      <p:stCondLst>
+                        <p:cond delay="indefinite"/>
+                      </p:stCondLst>
+                      <p:childTnLst>
+                        <p:par>
+                          <p:cTn id="24" fill="hold">
+                            <p:stCondLst>
+                              <p:cond delay="0"/>
+                            </p:stCondLst>
+                            <p:childTnLst>
+                              <p:par>
+                                <p:cTn id="25" presetID="1" presetClass="entr" presetSubtype="0" fill="hold" grpId="0" nodeType="clickEffect">
+                                  <p:stCondLst>
+                                    <p:cond delay="0"/>
+                                  </p:stCondLst>
+                                  <p:childTnLst>
+                                    <p:set>
+                                      <p:cBhvr>
+                                        <p:cTn id="26" dur="1" fill="hold">
+                                          <p:stCondLst>
+                                            <p:cond delay="0"/>
+                                          </p:stCondLst>
+                                        </p:cTn>
+                                        <p:tgtEl>
+                                          <p:spTgt spid="3">
+                                            <p:txEl>
+                                              <p:pRg st="6" end="6"/>
+                                            </p:txEl>
+                                          </p:spTgt>
+                                        </p:tgtEl>
+                                        <p:attrNameLst>
+                                          <p:attrName>style.visibility</p:attrName>
+                                        </p:attrNameLst>
+                                      </p:cBhvr>
+                                      <p:to>
+                                        <p:strVal val="visible"/>
+                                      </p:to>
+                                    </p:set>
+                                  </p:childTnLst>
+                                </p:cTn>
+                              </p:par>
+                            </p:childTnLst>
+                          </p:cTn>
+                        </p:par>
+                      </p:childTnLst>
+                    </p:cTn>
+                  </p:par>
+                  <p:par>
+                    <p:cTn id="27" fill="hold">
+                      <p:stCondLst>
+                        <p:cond delay="indefinite"/>
+                      </p:stCondLst>
+                      <p:childTnLst>
+                        <p:par>
+                          <p:cTn id="28" fill="hold">
+                            <p:stCondLst>
+                              <p:cond delay="0"/>
+                            </p:stCondLst>
+                            <p:childTnLst>
+                              <p:par>
+                                <p:cTn id="29" presetID="1" presetClass="entr" presetSubtype="0" fill="hold" grpId="0" nodeType="clickEffect">
+                                  <p:stCondLst>
+                                    <p:cond delay="0"/>
+                                  </p:stCondLst>
+                                  <p:childTnLst>
+                                    <p:set>
+                                      <p:cBhvr>
+                                        <p:cTn id="30" dur="1" fill="hold">
+                                          <p:stCondLst>
+                                            <p:cond delay="0"/>
+                                          </p:stCondLst>
+                                        </p:cTn>
+                                        <p:tgtEl>
+                                          <p:spTgt spid="3">
+                                            <p:txEl>
+                                              <p:pRg st="7" end="7"/>
+                                            </p:txEl>
+                                          </p:spTgt>
+                                        </p:tgtEl>
+                                        <p:attrNameLst>
+                                          <p:attrName>style.visibility</p:attrName>
+                                        </p:attrNameLst>
+                                      </p:cBhvr>
+                                      <p:to>
+                                        <p:strVal val="visible"/>
+                                      </p:to>
+                                    </p:set>
+                                  </p:childTnLst>
+                                </p:cTn>
+                              </p:par>
+                            </p:childTnLst>
+                          </p:cTn>
+                        </p:par>
+                      </p:childTnLst>
+                    </p:cTn>
+                  </p:par>
+                  <p:par>
+                    <p:cTn id="31" fill="hold">
+                      <p:stCondLst>
+                        <p:cond delay="indefinite"/>
+                      </p:stCondLst>
+                      <p:childTnLst>
+                        <p:par>
+                          <p:cTn id="32" fill="hold">
+                            <p:stCondLst>
+                              <p:cond delay="0"/>
+                            </p:stCondLst>
+                            <p:childTnLst>
+                              <p:par>
+                                <p:cTn id="33" presetID="1" presetClass="entr" presetSubtype="0" fill="hold" nodeType="clickEffect">
+                                  <p:stCondLst>
+                                    <p:cond delay="0"/>
+                                  </p:stCondLst>
+                                  <p:childTnLst>
+                                    <p:set>
+                                      <p:cBhvr>
+                                        <p:cTn id="34" dur="1" fill="hold">
+                                          <p:stCondLst>
+                                            <p:cond delay="0"/>
+                                          </p:stCondLst>
+                                        </p:cTn>
+                                        <p:tgtEl>
+                                          <p:spTgt spid="7"/>
+                                        </p:tgtEl>
+                                        <p:attrNameLst>
+                                          <p:attrName>style.visibility</p:attrName>
+                                        </p:attrNameLst>
+                                      </p:cBhvr>
+                                      <p:to>
+                                        <p:strVal val="visible"/>
+                                      </p:to>
+                                    </p:set>
+                                  </p:childTnLst>
+                                </p:cTn>
+                              </p:par>
+                            </p:childTnLst>
+                          </p:cTn>
+                        </p:par>
+                      </p:childTnLst>
+                    </p:cTn>
+                  </p:par>
+                  <p:par>
+                    <p:cTn id="35" fill="hold">
+                      <p:stCondLst>
+                        <p:cond delay="indefinite"/>
+                      </p:stCondLst>
+                      <p:childTnLst>
+                        <p:par>
+                          <p:cTn id="36" fill="hold">
+                            <p:stCondLst>
+                              <p:cond delay="0"/>
+                            </p:stCondLst>
+                            <p:childTnLst>
+                              <p:par>
+                                <p:cTn id="37" presetID="16" presetClass="entr" presetSubtype="21" fill="hold" nodeType="clickEffect">
+                                  <p:stCondLst>
+                                    <p:cond delay="0"/>
+                                  </p:stCondLst>
+                                  <p:childTnLst>
+                                    <p:set>
+                                      <p:cBhvr>
+                                        <p:cTn id="38" dur="1" fill="hold">
+                                          <p:stCondLst>
+                                            <p:cond delay="0"/>
+                                          </p:stCondLst>
+                                        </p:cTn>
+                                        <p:tgtEl>
+                                          <p:spTgt spid="5"/>
+                                        </p:tgtEl>
+                                        <p:attrNameLst>
+                                          <p:attrName>style.visibility</p:attrName>
+                                        </p:attrNameLst>
+                                      </p:cBhvr>
+                                      <p:to>
+                                        <p:strVal val="visible"/>
+                                      </p:to>
+                                    </p:set>
+                                    <p:animEffect transition="in" filter="barn(inVertical)">
+                                      <p:cBhvr>
+                                        <p:cTn id="39" dur="500"/>
+                                        <p:tgtEl>
+                                          <p:spTgt spid="5"/>
+                                        </p:tgtEl>
+                                      </p:cBhvr>
+                                    </p:animEffect>
+                                  </p:childTnLst>
+                                </p:cTn>
+                              </p:par>
+                            </p:childTnLst>
+                          </p:cTn>
+                        </p:par>
+                      </p:childTnLst>
+                    </p:cTn>
+                  </p:par>
                 </p:childTnLst>
               </p:cTn>
               <p:prevCondLst>
@@ -18400,7 +18774,7 @@
       </p:par>
     </p:tnLst>
     <p:bldLst>
-      <p:bldP spid="3" grpId="0" build="p"/>
+      <p:bldP spid="3" grpId="0" uiExpand="1" build="p"/>
     </p:bldLst>
   </p:timing>
 </p:sld>

--- a/ParkinsonML_Pitch.pptx
+++ b/ParkinsonML_Pitch.pptx
@@ -16441,36 +16441,6 @@
           </a:prstGeom>
         </p:spPr>
       </p:pic>
-      <p:pic>
-        <p:nvPicPr>
-          <p:cNvPr id="11" name="Afbeelding 10">
-            <a:extLst>
-              <a:ext uri="{FF2B5EF4-FFF2-40B4-BE49-F238E27FC236}">
-                <a16:creationId xmlns:a16="http://schemas.microsoft.com/office/drawing/2014/main" id="{73FBE753-F72C-4574-8396-A35094CA4714}"/>
-              </a:ext>
-            </a:extLst>
-          </p:cNvPr>
-          <p:cNvPicPr>
-            <a:picLocks noChangeAspect="1"/>
-          </p:cNvPicPr>
-          <p:nvPr/>
-        </p:nvPicPr>
-        <p:blipFill>
-          <a:blip r:embed="rId3"/>
-          <a:stretch>
-            <a:fillRect/>
-          </a:stretch>
-        </p:blipFill>
-        <p:spPr>
-          <a:xfrm>
-            <a:off x="5159896" y="1376362"/>
-            <a:ext cx="2326520" cy="1764606"/>
-          </a:xfrm>
-          <a:prstGeom prst="rect">
-            <a:avLst/>
-          </a:prstGeom>
-        </p:spPr>
-      </p:pic>
       <mc:AlternateContent xmlns:mc="http://schemas.openxmlformats.org/markup-compatibility/2006" xmlns:a14="http://schemas.microsoft.com/office/drawing/2010/main">
         <mc:Choice Requires="a14">
           <p:sp>
@@ -16855,6 +16825,36 @@
           <a:xfrm>
             <a:off x="7846677" y="1359646"/>
             <a:ext cx="3980829" cy="1613158"/>
+          </a:xfrm>
+          <a:prstGeom prst="rect">
+            <a:avLst/>
+          </a:prstGeom>
+        </p:spPr>
+      </p:pic>
+      <p:pic>
+        <p:nvPicPr>
+          <p:cNvPr id="3" name="Afbeelding 2">
+            <a:extLst>
+              <a:ext uri="{FF2B5EF4-FFF2-40B4-BE49-F238E27FC236}">
+                <a16:creationId xmlns:a16="http://schemas.microsoft.com/office/drawing/2014/main" id="{4618A4D7-6B77-4411-856B-9AF3D49A9C12}"/>
+              </a:ext>
+            </a:extLst>
+          </p:cNvPr>
+          <p:cNvPicPr>
+            <a:picLocks noChangeAspect="1"/>
+          </p:cNvPicPr>
+          <p:nvPr/>
+        </p:nvPicPr>
+        <p:blipFill>
+          <a:blip r:embed="rId7"/>
+          <a:stretch>
+            <a:fillRect/>
+          </a:stretch>
+        </p:blipFill>
+        <p:spPr>
+          <a:xfrm>
+            <a:off x="4751304" y="1360909"/>
+            <a:ext cx="2352808" cy="1764606"/>
           </a:xfrm>
           <a:prstGeom prst="rect">
             <a:avLst/>

--- a/ParkinsonML_Pitch.pptx
+++ b/ParkinsonML_Pitch.pptx
@@ -18008,6 +18008,81 @@
   <p:clrMapOvr>
     <a:masterClrMapping/>
   </p:clrMapOvr>
+  <p:timing>
+    <p:tnLst>
+      <p:par>
+        <p:cTn id="1" dur="indefinite" restart="never" nodeType="tmRoot">
+          <p:childTnLst>
+            <p:seq concurrent="1" nextAc="seek">
+              <p:cTn id="2" dur="indefinite" nodeType="mainSeq">
+                <p:childTnLst>
+                  <p:par>
+                    <p:cTn id="3" fill="hold">
+                      <p:stCondLst>
+                        <p:cond delay="indefinite"/>
+                      </p:stCondLst>
+                      <p:childTnLst>
+                        <p:par>
+                          <p:cTn id="4" fill="hold">
+                            <p:stCondLst>
+                              <p:cond delay="0"/>
+                            </p:stCondLst>
+                            <p:childTnLst>
+                              <p:par>
+                                <p:cTn id="5" presetID="1" presetClass="entr" presetSubtype="0" fill="hold" nodeType="clickEffect">
+                                  <p:stCondLst>
+                                    <p:cond delay="0"/>
+                                  </p:stCondLst>
+                                  <p:childTnLst>
+                                    <p:set>
+                                      <p:cBhvr>
+                                        <p:cTn id="6" dur="1" fill="hold">
+                                          <p:stCondLst>
+                                            <p:cond delay="0"/>
+                                          </p:stCondLst>
+                                        </p:cTn>
+                                        <p:tgtEl>
+                                          <p:spTgt spid="7"/>
+                                        </p:tgtEl>
+                                        <p:attrNameLst>
+                                          <p:attrName>style.visibility</p:attrName>
+                                        </p:attrNameLst>
+                                      </p:cBhvr>
+                                      <p:to>
+                                        <p:strVal val="visible"/>
+                                      </p:to>
+                                    </p:set>
+                                  </p:childTnLst>
+                                </p:cTn>
+                              </p:par>
+                            </p:childTnLst>
+                          </p:cTn>
+                        </p:par>
+                      </p:childTnLst>
+                    </p:cTn>
+                  </p:par>
+                </p:childTnLst>
+              </p:cTn>
+              <p:prevCondLst>
+                <p:cond evt="onPrev" delay="0">
+                  <p:tgtEl>
+                    <p:sldTgt/>
+                  </p:tgtEl>
+                </p:cond>
+              </p:prevCondLst>
+              <p:nextCondLst>
+                <p:cond evt="onNext" delay="0">
+                  <p:tgtEl>
+                    <p:sldTgt/>
+                  </p:tgtEl>
+                </p:cond>
+              </p:nextCondLst>
+            </p:seq>
+          </p:childTnLst>
+        </p:cTn>
+      </p:par>
+    </p:tnLst>
+  </p:timing>
 </p:sld>
 </file>
 

--- a/ParkinsonML_Pitch.pptx
+++ b/ParkinsonML_Pitch.pptx
@@ -7,18 +7,19 @@
     <p:sldMasterId id="2147483652" r:id="rId3"/>
   </p:sldMasterIdLst>
   <p:notesMasterIdLst>
-    <p:notesMasterId r:id="rId10"/>
+    <p:notesMasterId r:id="rId11"/>
   </p:notesMasterIdLst>
   <p:handoutMasterIdLst>
-    <p:handoutMasterId r:id="rId11"/>
+    <p:handoutMasterId r:id="rId12"/>
   </p:handoutMasterIdLst>
   <p:sldIdLst>
     <p:sldId id="257" r:id="rId4"/>
     <p:sldId id="258" r:id="rId5"/>
-    <p:sldId id="259" r:id="rId6"/>
-    <p:sldId id="260" r:id="rId7"/>
-    <p:sldId id="262" r:id="rId8"/>
-    <p:sldId id="261" r:id="rId9"/>
+    <p:sldId id="263" r:id="rId6"/>
+    <p:sldId id="259" r:id="rId7"/>
+    <p:sldId id="260" r:id="rId8"/>
+    <p:sldId id="262" r:id="rId9"/>
+    <p:sldId id="261" r:id="rId10"/>
   </p:sldIdLst>
   <p:sldSz cx="12192000" cy="6858000"/>
   <p:notesSz cx="6858000" cy="9144000"/>
@@ -262,7 +263,7 @@
           <a:p>
             <a:fld id="{E8E393E5-555B-40FF-B464-1631ED83EBCD}" type="datetimeFigureOut">
               <a:rPr lang="nl-NL" smtClean="0"/>
-              <a:t>5-5-2019</a:t>
+              <a:t>6-5-2019</a:t>
             </a:fld>
             <a:endParaRPr lang="nl-NL"/>
           </a:p>
@@ -15997,20 +15998,304 @@
       </p:sp>
       <p:sp>
         <p:nvSpPr>
-          <p:cNvPr id="3" name="Content Placeholder 2"/>
-          <p:cNvSpPr>
-            <a:spLocks noGrp="1"/>
-          </p:cNvSpPr>
+          <p:cNvPr id="6" name="Tekstvak 5">
+            <a:extLst>
+              <a:ext uri="{FF2B5EF4-FFF2-40B4-BE49-F238E27FC236}">
+                <a16:creationId xmlns:a16="http://schemas.microsoft.com/office/drawing/2014/main" id="{C648DADC-8455-4F14-8357-2FE02021EF7F}"/>
+              </a:ext>
+            </a:extLst>
+          </p:cNvPr>
+          <p:cNvSpPr txBox="1"/>
+          <p:nvPr/>
+        </p:nvSpPr>
+        <p:spPr>
+          <a:xfrm>
+            <a:off x="263352" y="1384315"/>
+            <a:ext cx="9793088" cy="1569660"/>
+          </a:xfrm>
+          <a:prstGeom prst="rect">
+            <a:avLst/>
+          </a:prstGeom>
+          <a:noFill/>
+        </p:spPr>
+        <p:txBody>
+          <a:bodyPr wrap="square" rtlCol="0">
+            <a:spAutoFit/>
+          </a:bodyPr>
+          <a:lstStyle/>
+          <a:p>
+            <a:pPr marL="342900" indent="-342900">
+              <a:buFont typeface="Wingdings" panose="05000000000000000000" pitchFamily="2" charset="2"/>
+              <a:buChar char="§"/>
+            </a:pPr>
+            <a:r>
+              <a:rPr lang="en-US" sz="2400" dirty="0">
+                <a:latin typeface="+mn-lt"/>
+              </a:rPr>
+              <a:t>6.000.000+ Parkinson’s patients worldwide</a:t>
+            </a:r>
+            <a:r>
+              <a:rPr lang="en-US" sz="2400" baseline="30000" dirty="0">
+                <a:latin typeface="+mn-lt"/>
+              </a:rPr>
+              <a:t>1</a:t>
+            </a:r>
+            <a:endParaRPr lang="en-US" sz="2400" dirty="0">
+              <a:latin typeface="+mn-lt"/>
+            </a:endParaRPr>
+          </a:p>
+          <a:p>
+            <a:pPr marL="342900" indent="-342900">
+              <a:buFont typeface="Wingdings" panose="05000000000000000000" pitchFamily="2" charset="2"/>
+              <a:buChar char="§"/>
+            </a:pPr>
+            <a:r>
+              <a:rPr lang="en-US" sz="2400" dirty="0">
+                <a:latin typeface="+mn-lt"/>
+              </a:rPr>
+              <a:t>Prevalence is rising with age (1903 per 100.000 people for 80+)</a:t>
+            </a:r>
+            <a:r>
+              <a:rPr lang="en-US" sz="2400" baseline="30000" dirty="0">
+                <a:latin typeface="+mn-lt"/>
+              </a:rPr>
+              <a:t>1,2</a:t>
+            </a:r>
+            <a:endParaRPr lang="en-US" sz="2400" dirty="0">
+              <a:latin typeface="+mn-lt"/>
+            </a:endParaRPr>
+          </a:p>
+          <a:p>
+            <a:pPr marL="342900" indent="-342900">
+              <a:buFont typeface="Wingdings" panose="05000000000000000000" pitchFamily="2" charset="2"/>
+              <a:buChar char="§"/>
+            </a:pPr>
+            <a:r>
+              <a:rPr lang="en-US" sz="2400" dirty="0">
+                <a:latin typeface="+mn-lt"/>
+              </a:rPr>
+              <a:t>Increasing life expectancy </a:t>
+            </a:r>
+            <a:r>
+              <a:rPr lang="en-US" sz="2400" dirty="0">
+                <a:latin typeface="+mn-lt"/>
+                <a:sym typeface="Wingdings" panose="05000000000000000000" pitchFamily="2" charset="2"/>
+              </a:rPr>
+              <a:t> increasing number of patients</a:t>
+            </a:r>
+            <a:endParaRPr lang="en-US" sz="2400" dirty="0">
+              <a:latin typeface="+mn-lt"/>
+            </a:endParaRPr>
+          </a:p>
+        </p:txBody>
+      </p:sp>
+      <p:pic>
+        <p:nvPicPr>
+          <p:cNvPr id="7" name="Afbeelding 6">
+            <a:extLst>
+              <a:ext uri="{FF2B5EF4-FFF2-40B4-BE49-F238E27FC236}">
+                <a16:creationId xmlns:a16="http://schemas.microsoft.com/office/drawing/2014/main" id="{EEB61E60-FA6F-4651-8724-A2C2175079EC}"/>
+              </a:ext>
+            </a:extLst>
+          </p:cNvPr>
+          <p:cNvPicPr>
+            <a:picLocks noChangeAspect="1"/>
+          </p:cNvPicPr>
+          <p:nvPr/>
+        </p:nvPicPr>
+        <p:blipFill>
+          <a:blip r:embed="rId2"/>
+          <a:stretch>
+            <a:fillRect/>
+          </a:stretch>
+        </p:blipFill>
+        <p:spPr>
+          <a:xfrm>
+            <a:off x="6672064" y="3089664"/>
+            <a:ext cx="4678113" cy="3115073"/>
+          </a:xfrm>
+          <a:prstGeom prst="rect">
+            <a:avLst/>
+          </a:prstGeom>
+        </p:spPr>
+      </p:pic>
+      <p:pic>
+        <p:nvPicPr>
+          <p:cNvPr id="5" name="Tijdelijke aanduiding voor inhoud 4">
+            <a:extLst>
+              <a:ext uri="{FF2B5EF4-FFF2-40B4-BE49-F238E27FC236}">
+                <a16:creationId xmlns:a16="http://schemas.microsoft.com/office/drawing/2014/main" id="{26551229-FC2D-43C6-AB91-D7F5BBEC18F0}"/>
+              </a:ext>
+            </a:extLst>
+          </p:cNvPr>
+          <p:cNvPicPr>
+            <a:picLocks noGrp="1" noChangeAspect="1"/>
+          </p:cNvPicPr>
           <p:nvPr>
             <p:ph idx="1"/>
           </p:nvPr>
+        </p:nvPicPr>
+        <p:blipFill>
+          <a:blip r:embed="rId3" cstate="print">
+            <a:extLst>
+              <a:ext uri="{28A0092B-C50C-407E-A947-70E740481C1C}">
+                <a14:useLocalDpi xmlns:a14="http://schemas.microsoft.com/office/drawing/2010/main" val="0"/>
+              </a:ext>
+            </a:extLst>
+          </a:blip>
+          <a:stretch>
+            <a:fillRect/>
+          </a:stretch>
+        </p:blipFill>
+        <p:spPr>
+          <a:xfrm>
+            <a:off x="6422500" y="2953975"/>
+            <a:ext cx="5060509" cy="3352428"/>
+          </a:xfrm>
+        </p:spPr>
+      </p:pic>
+      <p:sp>
+        <p:nvSpPr>
+          <p:cNvPr id="8" name="Tekstvak 7">
+            <a:extLst>
+              <a:ext uri="{FF2B5EF4-FFF2-40B4-BE49-F238E27FC236}">
+                <a16:creationId xmlns:a16="http://schemas.microsoft.com/office/drawing/2014/main" id="{ED7C92D8-CF78-4BEB-B60C-B8EFBDFB63C6}"/>
+              </a:ext>
+            </a:extLst>
+          </p:cNvPr>
+          <p:cNvSpPr txBox="1"/>
+          <p:nvPr/>
         </p:nvSpPr>
-        <p:spPr/>
+        <p:spPr>
+          <a:xfrm>
+            <a:off x="282080" y="3645024"/>
+            <a:ext cx="6142592" cy="1569660"/>
+          </a:xfrm>
+          <a:prstGeom prst="rect">
+            <a:avLst/>
+          </a:prstGeom>
+          <a:noFill/>
+        </p:spPr>
         <p:txBody>
-          <a:bodyPr/>
+          <a:bodyPr wrap="square" rtlCol="0">
+            <a:spAutoFit/>
+          </a:bodyPr>
           <a:lstStyle/>
           <a:p>
-            <a:endParaRPr lang="en-GB"/>
+            <a:r>
+              <a:rPr lang="en-US" sz="2400" dirty="0">
+                <a:latin typeface="+mn-lt"/>
+              </a:rPr>
+              <a:t>No definitive test</a:t>
+            </a:r>
+            <a:r>
+              <a:rPr lang="en-US" sz="2400" baseline="30000" dirty="0">
+                <a:latin typeface="+mn-lt"/>
+              </a:rPr>
+              <a:t>3,2</a:t>
+            </a:r>
+            <a:endParaRPr lang="en-US" sz="2400" dirty="0">
+              <a:latin typeface="+mn-lt"/>
+            </a:endParaRPr>
+          </a:p>
+          <a:p>
+            <a:r>
+              <a:rPr lang="en-US" sz="2400" dirty="0">
+                <a:latin typeface="+mn-lt"/>
+                <a:sym typeface="Wingdings" panose="05000000000000000000" pitchFamily="2" charset="2"/>
+              </a:rPr>
+              <a:t></a:t>
+            </a:r>
+            <a:r>
+              <a:rPr lang="en-US" sz="2400" dirty="0">
+                <a:latin typeface="+mn-lt"/>
+              </a:rPr>
+              <a:t>Too often the wrong diagnosis</a:t>
+            </a:r>
+            <a:r>
+              <a:rPr lang="en-US" sz="2400" baseline="30000" dirty="0">
+                <a:latin typeface="+mn-lt"/>
+              </a:rPr>
+              <a:t>2,4,6</a:t>
+            </a:r>
+            <a:endParaRPr lang="en-US" sz="2400" dirty="0">
+              <a:latin typeface="+mn-lt"/>
+            </a:endParaRPr>
+          </a:p>
+          <a:p>
+            <a:pPr marL="342900" indent="-342900">
+              <a:buFont typeface="Wingdings" panose="05000000000000000000" pitchFamily="2" charset="2"/>
+              <a:buChar char="à"/>
+            </a:pPr>
+            <a:r>
+              <a:rPr lang="en-US" sz="2400" dirty="0">
+                <a:latin typeface="+mn-lt"/>
+                <a:sym typeface="Wingdings" panose="05000000000000000000" pitchFamily="2" charset="2"/>
+              </a:rPr>
+              <a:t>Dependent on who’s performing</a:t>
+            </a:r>
+            <a:r>
+              <a:rPr lang="en-US" sz="2400" baseline="30000" dirty="0">
+                <a:latin typeface="+mn-lt"/>
+                <a:sym typeface="Wingdings" panose="05000000000000000000" pitchFamily="2" charset="2"/>
+              </a:rPr>
+              <a:t>4,6</a:t>
+            </a:r>
+            <a:endParaRPr lang="en-US" sz="2400" dirty="0">
+              <a:latin typeface="+mn-lt"/>
+              <a:sym typeface="Wingdings" panose="05000000000000000000" pitchFamily="2" charset="2"/>
+            </a:endParaRPr>
+          </a:p>
+          <a:p>
+            <a:pPr marL="342900" indent="-342900">
+              <a:buFont typeface="Wingdings" panose="05000000000000000000" pitchFamily="2" charset="2"/>
+              <a:buChar char="à"/>
+            </a:pPr>
+            <a:endParaRPr lang="en-US" sz="2400" dirty="0">
+              <a:sym typeface="Wingdings" panose="05000000000000000000" pitchFamily="2" charset="2"/>
+            </a:endParaRPr>
+          </a:p>
+        </p:txBody>
+      </p:sp>
+      <p:sp>
+        <p:nvSpPr>
+          <p:cNvPr id="9" name="Tekstvak 8">
+            <a:extLst>
+              <a:ext uri="{FF2B5EF4-FFF2-40B4-BE49-F238E27FC236}">
+                <a16:creationId xmlns:a16="http://schemas.microsoft.com/office/drawing/2014/main" id="{74B2782B-B8CA-4112-8575-DAFD886F97CD}"/>
+              </a:ext>
+            </a:extLst>
+          </p:cNvPr>
+          <p:cNvSpPr txBox="1"/>
+          <p:nvPr/>
+        </p:nvSpPr>
+        <p:spPr>
+          <a:xfrm>
+            <a:off x="119336" y="6460251"/>
+            <a:ext cx="11953328" cy="307777"/>
+          </a:xfrm>
+          <a:prstGeom prst="rect">
+            <a:avLst/>
+          </a:prstGeom>
+          <a:noFill/>
+        </p:spPr>
+        <p:txBody>
+          <a:bodyPr wrap="square" rtlCol="0">
+            <a:spAutoFit/>
+          </a:bodyPr>
+          <a:lstStyle/>
+          <a:p>
+            <a:r>
+              <a:rPr lang="en-US" sz="1400" dirty="0">
+                <a:solidFill>
+                  <a:schemeClr val="tx1">
+                    <a:lumMod val="75000"/>
+                    <a:lumOff val="25000"/>
+                  </a:schemeClr>
+                </a:solidFill>
+              </a:rPr>
+              <a:t>1.Pringsheim et al, 2014; 2.Adams, 2017; 3.Jankovic, 2008; 4.Pagan, 2012; 6.Pradhan et al, 2010</a:t>
+            </a:r>
           </a:p>
         </p:txBody>
       </p:sp>
@@ -16024,10 +16309,477 @@
   <p:clrMapOvr>
     <a:masterClrMapping/>
   </p:clrMapOvr>
+  <p:timing>
+    <p:tnLst>
+      <p:par>
+        <p:cTn id="1" dur="indefinite" restart="never" nodeType="tmRoot">
+          <p:childTnLst>
+            <p:seq concurrent="1" nextAc="seek">
+              <p:cTn id="2" dur="indefinite" nodeType="mainSeq">
+                <p:childTnLst>
+                  <p:par>
+                    <p:cTn id="3" fill="hold">
+                      <p:stCondLst>
+                        <p:cond delay="indefinite"/>
+                      </p:stCondLst>
+                      <p:childTnLst>
+                        <p:par>
+                          <p:cTn id="4" fill="hold">
+                            <p:stCondLst>
+                              <p:cond delay="0"/>
+                            </p:stCondLst>
+                            <p:childTnLst>
+                              <p:par>
+                                <p:cTn id="5" presetID="1" presetClass="entr" presetSubtype="0" fill="hold" nodeType="clickEffect">
+                                  <p:stCondLst>
+                                    <p:cond delay="0"/>
+                                  </p:stCondLst>
+                                  <p:childTnLst>
+                                    <p:set>
+                                      <p:cBhvr>
+                                        <p:cTn id="6" dur="1" fill="hold">
+                                          <p:stCondLst>
+                                            <p:cond delay="0"/>
+                                          </p:stCondLst>
+                                        </p:cTn>
+                                        <p:tgtEl>
+                                          <p:spTgt spid="5"/>
+                                        </p:tgtEl>
+                                        <p:attrNameLst>
+                                          <p:attrName>style.visibility</p:attrName>
+                                        </p:attrNameLst>
+                                      </p:cBhvr>
+                                      <p:to>
+                                        <p:strVal val="visible"/>
+                                      </p:to>
+                                    </p:set>
+                                  </p:childTnLst>
+                                </p:cTn>
+                              </p:par>
+                            </p:childTnLst>
+                          </p:cTn>
+                        </p:par>
+                      </p:childTnLst>
+                    </p:cTn>
+                  </p:par>
+                </p:childTnLst>
+              </p:cTn>
+              <p:prevCondLst>
+                <p:cond evt="onPrev" delay="0">
+                  <p:tgtEl>
+                    <p:sldTgt/>
+                  </p:tgtEl>
+                </p:cond>
+              </p:prevCondLst>
+              <p:nextCondLst>
+                <p:cond evt="onNext" delay="0">
+                  <p:tgtEl>
+                    <p:sldTgt/>
+                  </p:tgtEl>
+                </p:cond>
+              </p:nextCondLst>
+            </p:seq>
+          </p:childTnLst>
+        </p:cTn>
+      </p:par>
+    </p:tnLst>
+  </p:timing>
 </p:sld>
 </file>
 
 <file path=ppt/slides/slide3.xml><?xml version="1.0" encoding="utf-8"?>
+<p:sld xmlns:a="http://schemas.openxmlformats.org/drawingml/2006/main" xmlns:r="http://schemas.openxmlformats.org/officeDocument/2006/relationships" xmlns:p="http://schemas.openxmlformats.org/presentationml/2006/main">
+  <p:cSld>
+    <p:spTree>
+      <p:nvGrpSpPr>
+        <p:cNvPr id="1" name=""/>
+        <p:cNvGrpSpPr/>
+        <p:nvPr/>
+      </p:nvGrpSpPr>
+      <p:grpSpPr>
+        <a:xfrm>
+          <a:off x="0" y="0"/>
+          <a:ext cx="0" cy="0"/>
+          <a:chOff x="0" y="0"/>
+          <a:chExt cx="0" cy="0"/>
+        </a:xfrm>
+      </p:grpSpPr>
+      <p:sp>
+        <p:nvSpPr>
+          <p:cNvPr id="2" name="Titel 1">
+            <a:extLst>
+              <a:ext uri="{FF2B5EF4-FFF2-40B4-BE49-F238E27FC236}">
+                <a16:creationId xmlns:a16="http://schemas.microsoft.com/office/drawing/2014/main" id="{E557EF18-C58F-49D4-9CCF-9B242B1D29CE}"/>
+              </a:ext>
+            </a:extLst>
+          </p:cNvPr>
+          <p:cNvSpPr>
+            <a:spLocks noGrp="1"/>
+          </p:cNvSpPr>
+          <p:nvPr>
+            <p:ph type="title"/>
+          </p:nvPr>
+        </p:nvSpPr>
+        <p:spPr/>
+        <p:txBody>
+          <a:bodyPr/>
+          <a:lstStyle/>
+          <a:p>
+            <a:r>
+              <a:rPr lang="en-US" dirty="0"/>
+              <a:t>Rationale</a:t>
+            </a:r>
+          </a:p>
+        </p:txBody>
+      </p:sp>
+      <p:sp>
+        <p:nvSpPr>
+          <p:cNvPr id="3" name="Tijdelijke aanduiding voor inhoud 2">
+            <a:extLst>
+              <a:ext uri="{FF2B5EF4-FFF2-40B4-BE49-F238E27FC236}">
+                <a16:creationId xmlns:a16="http://schemas.microsoft.com/office/drawing/2014/main" id="{5CA612E9-DA68-4D84-ABF6-457E57F80489}"/>
+              </a:ext>
+            </a:extLst>
+          </p:cNvPr>
+          <p:cNvSpPr>
+            <a:spLocks noGrp="1"/>
+          </p:cNvSpPr>
+          <p:nvPr>
+            <p:ph idx="1"/>
+          </p:nvPr>
+        </p:nvSpPr>
+        <p:spPr>
+          <a:xfrm>
+            <a:off x="263352" y="2996952"/>
+            <a:ext cx="9145016" cy="3030984"/>
+          </a:xfrm>
+        </p:spPr>
+        <p:txBody>
+          <a:bodyPr>
+            <a:normAutofit fontScale="92500" lnSpcReduction="10000"/>
+          </a:bodyPr>
+          <a:lstStyle/>
+          <a:p>
+            <a:pPr marL="0" indent="0">
+              <a:buNone/>
+            </a:pPr>
+            <a:endParaRPr lang="en-US" sz="2800" dirty="0">
+              <a:sym typeface="Wingdings" panose="05000000000000000000" pitchFamily="2" charset="2"/>
+            </a:endParaRPr>
+          </a:p>
+          <a:p>
+            <a:pPr marL="0" indent="0">
+              <a:buNone/>
+            </a:pPr>
+            <a:r>
+              <a:rPr lang="en-US" sz="2600" dirty="0">
+                <a:sym typeface="Wingdings" panose="05000000000000000000" pitchFamily="2" charset="2"/>
+              </a:rPr>
+              <a:t>Solution:</a:t>
+            </a:r>
+          </a:p>
+          <a:p>
+            <a:pPr marL="0" indent="0">
+              <a:buNone/>
+            </a:pPr>
+            <a:r>
+              <a:rPr lang="en-US" sz="2600" dirty="0">
+                <a:sym typeface="Wingdings" panose="05000000000000000000" pitchFamily="2" charset="2"/>
+              </a:rPr>
+              <a:t>Using machine learning in early detection</a:t>
+            </a:r>
+          </a:p>
+          <a:p>
+            <a:pPr marL="0" indent="0">
+              <a:buNone/>
+            </a:pPr>
+            <a:r>
+              <a:rPr lang="en-US" sz="2600" dirty="0">
+                <a:sym typeface="Wingdings" panose="05000000000000000000" pitchFamily="2" charset="2"/>
+              </a:rPr>
+              <a:t> Subtle changes in fine motor control</a:t>
+            </a:r>
+            <a:r>
+              <a:rPr lang="en-US" sz="2600" baseline="30000" dirty="0">
+                <a:sym typeface="Wingdings" panose="05000000000000000000" pitchFamily="2" charset="2"/>
+              </a:rPr>
+              <a:t>5</a:t>
+            </a:r>
+            <a:endParaRPr lang="en-US" sz="2600" dirty="0">
+              <a:sym typeface="Wingdings" panose="05000000000000000000" pitchFamily="2" charset="2"/>
+            </a:endParaRPr>
+          </a:p>
+          <a:p>
+            <a:pPr marL="342900" indent="-342900">
+              <a:buFont typeface="Wingdings" panose="05000000000000000000" pitchFamily="2" charset="2"/>
+              <a:buChar char="à"/>
+            </a:pPr>
+            <a:r>
+              <a:rPr lang="en-US" sz="2600" dirty="0">
+                <a:sym typeface="Wingdings" panose="05000000000000000000" pitchFamily="2" charset="2"/>
+              </a:rPr>
+              <a:t>Distinguish between healthy people and patients</a:t>
+            </a:r>
+          </a:p>
+          <a:p>
+            <a:pPr marL="342900" indent="-342900">
+              <a:buFont typeface="Wingdings" panose="05000000000000000000" pitchFamily="2" charset="2"/>
+              <a:buChar char="à"/>
+            </a:pPr>
+            <a:endParaRPr lang="en-US" sz="2600" dirty="0">
+              <a:sym typeface="Wingdings" panose="05000000000000000000" pitchFamily="2" charset="2"/>
+            </a:endParaRPr>
+          </a:p>
+          <a:p>
+            <a:pPr marL="0" indent="0">
+              <a:buNone/>
+            </a:pPr>
+            <a:r>
+              <a:rPr lang="en-US" sz="2600" dirty="0">
+                <a:sym typeface="Wingdings" panose="05000000000000000000" pitchFamily="2" charset="2"/>
+              </a:rPr>
+              <a:t> Type data as alternative/tool</a:t>
+            </a:r>
+          </a:p>
+          <a:p>
+            <a:pPr marL="0" indent="0">
+              <a:buNone/>
+            </a:pPr>
+            <a:endParaRPr lang="en-US" sz="2800" dirty="0">
+              <a:sym typeface="Wingdings" panose="05000000000000000000" pitchFamily="2" charset="2"/>
+            </a:endParaRPr>
+          </a:p>
+          <a:p>
+            <a:pPr marL="0" indent="0">
+              <a:buNone/>
+            </a:pPr>
+            <a:endParaRPr lang="en-US" sz="2800" dirty="0">
+              <a:sym typeface="Wingdings" panose="05000000000000000000" pitchFamily="2" charset="2"/>
+            </a:endParaRPr>
+          </a:p>
+          <a:p>
+            <a:pPr marL="0" indent="0">
+              <a:buNone/>
+            </a:pPr>
+            <a:endParaRPr lang="en-US" sz="2800" dirty="0">
+              <a:sym typeface="Wingdings" panose="05000000000000000000" pitchFamily="2" charset="2"/>
+            </a:endParaRPr>
+          </a:p>
+          <a:p>
+            <a:endParaRPr lang="en-US" dirty="0"/>
+          </a:p>
+        </p:txBody>
+      </p:sp>
+      <p:sp>
+        <p:nvSpPr>
+          <p:cNvPr id="4" name="Rechthoek 3">
+            <a:extLst>
+              <a:ext uri="{FF2B5EF4-FFF2-40B4-BE49-F238E27FC236}">
+                <a16:creationId xmlns:a16="http://schemas.microsoft.com/office/drawing/2014/main" id="{6C18B446-B5C9-4519-827E-9DE5F5C4B5AF}"/>
+              </a:ext>
+            </a:extLst>
+          </p:cNvPr>
+          <p:cNvSpPr/>
+          <p:nvPr/>
+        </p:nvSpPr>
+        <p:spPr>
+          <a:xfrm>
+            <a:off x="551384" y="1628800"/>
+            <a:ext cx="6096000" cy="1200329"/>
+          </a:xfrm>
+          <a:prstGeom prst="rect">
+            <a:avLst/>
+          </a:prstGeom>
+        </p:spPr>
+        <p:txBody>
+          <a:bodyPr>
+            <a:spAutoFit/>
+          </a:bodyPr>
+          <a:lstStyle/>
+          <a:p>
+            <a:pPr lvl="0"/>
+            <a:r>
+              <a:rPr lang="en-US" sz="2400" dirty="0">
+                <a:solidFill>
+                  <a:srgbClr val="000000"/>
+                </a:solidFill>
+                <a:latin typeface="+mn-lt"/>
+              </a:rPr>
+              <a:t>No definitive test</a:t>
+            </a:r>
+            <a:r>
+              <a:rPr lang="en-US" sz="2400" baseline="30000" dirty="0">
+                <a:solidFill>
+                  <a:srgbClr val="000000"/>
+                </a:solidFill>
+                <a:latin typeface="+mn-lt"/>
+              </a:rPr>
+              <a:t>3,2</a:t>
+            </a:r>
+            <a:endParaRPr lang="en-US" sz="2400" dirty="0">
+              <a:solidFill>
+                <a:srgbClr val="000000"/>
+              </a:solidFill>
+              <a:latin typeface="+mn-lt"/>
+            </a:endParaRPr>
+          </a:p>
+          <a:p>
+            <a:pPr lvl="0"/>
+            <a:r>
+              <a:rPr lang="en-US" sz="2400" dirty="0">
+                <a:solidFill>
+                  <a:srgbClr val="000000"/>
+                </a:solidFill>
+                <a:latin typeface="+mn-lt"/>
+                <a:sym typeface="Wingdings" panose="05000000000000000000" pitchFamily="2" charset="2"/>
+              </a:rPr>
+              <a:t></a:t>
+            </a:r>
+            <a:r>
+              <a:rPr lang="en-US" sz="2400" dirty="0">
+                <a:solidFill>
+                  <a:srgbClr val="000000"/>
+                </a:solidFill>
+                <a:latin typeface="+mn-lt"/>
+              </a:rPr>
+              <a:t>Too often the wrong diagnosis</a:t>
+            </a:r>
+            <a:r>
+              <a:rPr lang="en-US" sz="2400" baseline="30000" dirty="0">
+                <a:solidFill>
+                  <a:srgbClr val="000000"/>
+                </a:solidFill>
+                <a:latin typeface="+mn-lt"/>
+              </a:rPr>
+              <a:t>2,4,6</a:t>
+            </a:r>
+            <a:endParaRPr lang="en-US" sz="2400" dirty="0">
+              <a:solidFill>
+                <a:srgbClr val="000000"/>
+              </a:solidFill>
+              <a:latin typeface="+mn-lt"/>
+            </a:endParaRPr>
+          </a:p>
+          <a:p>
+            <a:pPr marL="342900" lvl="0" indent="-342900">
+              <a:buFont typeface="Wingdings" panose="05000000000000000000" pitchFamily="2" charset="2"/>
+              <a:buChar char="à"/>
+            </a:pPr>
+            <a:r>
+              <a:rPr lang="en-US" sz="2400" dirty="0">
+                <a:solidFill>
+                  <a:srgbClr val="000000"/>
+                </a:solidFill>
+                <a:latin typeface="+mn-lt"/>
+                <a:sym typeface="Wingdings" panose="05000000000000000000" pitchFamily="2" charset="2"/>
+              </a:rPr>
+              <a:t>Dependent on who’s performing</a:t>
+            </a:r>
+            <a:r>
+              <a:rPr lang="en-US" sz="2400" baseline="30000" dirty="0">
+                <a:solidFill>
+                  <a:srgbClr val="000000"/>
+                </a:solidFill>
+                <a:latin typeface="+mn-lt"/>
+                <a:sym typeface="Wingdings" panose="05000000000000000000" pitchFamily="2" charset="2"/>
+              </a:rPr>
+              <a:t>4,6</a:t>
+            </a:r>
+            <a:endParaRPr lang="en-US" sz="2400" dirty="0">
+              <a:solidFill>
+                <a:srgbClr val="000000"/>
+              </a:solidFill>
+              <a:latin typeface="+mn-lt"/>
+              <a:sym typeface="Wingdings" panose="05000000000000000000" pitchFamily="2" charset="2"/>
+            </a:endParaRPr>
+          </a:p>
+        </p:txBody>
+      </p:sp>
+      <p:sp>
+        <p:nvSpPr>
+          <p:cNvPr id="5" name="Rechthoek 4">
+            <a:extLst>
+              <a:ext uri="{FF2B5EF4-FFF2-40B4-BE49-F238E27FC236}">
+                <a16:creationId xmlns:a16="http://schemas.microsoft.com/office/drawing/2014/main" id="{4E054A0F-508E-4A77-8704-86F03E2F7F98}"/>
+              </a:ext>
+            </a:extLst>
+          </p:cNvPr>
+          <p:cNvSpPr/>
+          <p:nvPr/>
+        </p:nvSpPr>
+        <p:spPr>
+          <a:xfrm>
+            <a:off x="189228" y="6432557"/>
+            <a:ext cx="11809312" cy="307777"/>
+          </a:xfrm>
+          <a:prstGeom prst="rect">
+            <a:avLst/>
+          </a:prstGeom>
+        </p:spPr>
+        <p:txBody>
+          <a:bodyPr wrap="square">
+            <a:spAutoFit/>
+          </a:bodyPr>
+          <a:lstStyle/>
+          <a:p>
+            <a:r>
+              <a:rPr lang="en-US" sz="1400" dirty="0">
+                <a:solidFill>
+                  <a:schemeClr val="tx1">
+                    <a:lumMod val="75000"/>
+                    <a:lumOff val="25000"/>
+                  </a:schemeClr>
+                </a:solidFill>
+              </a:rPr>
+              <a:t>2.Adams, 2017; 3.Jankovic, 2008; 4.Pagan, 2012; 5.Dahdal et al, 2016; 6.Pradhan et al, 2010</a:t>
+            </a:r>
+          </a:p>
+        </p:txBody>
+      </p:sp>
+      <p:pic>
+        <p:nvPicPr>
+          <p:cNvPr id="6" name="Afbeelding 5">
+            <a:extLst>
+              <a:ext uri="{FF2B5EF4-FFF2-40B4-BE49-F238E27FC236}">
+                <a16:creationId xmlns:a16="http://schemas.microsoft.com/office/drawing/2014/main" id="{FED7EF90-D5DE-4A76-A45F-F66DA2C51358}"/>
+              </a:ext>
+            </a:extLst>
+          </p:cNvPr>
+          <p:cNvPicPr>
+            <a:picLocks noChangeAspect="1"/>
+          </p:cNvPicPr>
+          <p:nvPr/>
+        </p:nvPicPr>
+        <p:blipFill>
+          <a:blip r:embed="rId2"/>
+          <a:stretch>
+            <a:fillRect/>
+          </a:stretch>
+        </p:blipFill>
+        <p:spPr>
+          <a:xfrm>
+            <a:off x="7169993" y="942796"/>
+            <a:ext cx="4476750" cy="2571750"/>
+          </a:xfrm>
+          <a:prstGeom prst="rect">
+            <a:avLst/>
+          </a:prstGeom>
+        </p:spPr>
+      </p:pic>
+    </p:spTree>
+    <p:extLst>
+      <p:ext uri="{BB962C8B-B14F-4D97-AF65-F5344CB8AC3E}">
+        <p14:creationId xmlns:p14="http://schemas.microsoft.com/office/powerpoint/2010/main" val="4046940544"/>
+      </p:ext>
+    </p:extLst>
+  </p:cSld>
+  <p:clrMapOvr>
+    <a:masterClrMapping/>
+  </p:clrMapOvr>
+</p:sld>
+</file>
+
+<file path=ppt/slides/slide4.xml><?xml version="1.0" encoding="utf-8"?>
 <p:sld xmlns:a="http://schemas.openxmlformats.org/drawingml/2006/main" xmlns:r="http://schemas.openxmlformats.org/officeDocument/2006/relationships" xmlns:p="http://schemas.openxmlformats.org/presentationml/2006/main">
   <p:cSld>
     <p:spTree>
@@ -17198,7 +17950,7 @@
 </p:sld>
 </file>
 
-<file path=ppt/slides/slide4.xml><?xml version="1.0" encoding="utf-8"?>
+<file path=ppt/slides/slide5.xml><?xml version="1.0" encoding="utf-8"?>
 <p:sld xmlns:a="http://schemas.openxmlformats.org/drawingml/2006/main" xmlns:r="http://schemas.openxmlformats.org/officeDocument/2006/relationships" xmlns:p="http://schemas.openxmlformats.org/presentationml/2006/main">
   <p:cSld>
     <p:spTree>
@@ -17873,7 +18625,7 @@
 </p:sld>
 </file>
 
-<file path=ppt/slides/slide5.xml><?xml version="1.0" encoding="utf-8"?>
+<file path=ppt/slides/slide6.xml><?xml version="1.0" encoding="utf-8"?>
 <p:sld xmlns:a="http://schemas.openxmlformats.org/drawingml/2006/main" xmlns:r="http://schemas.openxmlformats.org/officeDocument/2006/relationships" xmlns:p="http://schemas.openxmlformats.org/presentationml/2006/main">
   <p:cSld>
     <p:spTree>
@@ -18086,7 +18838,7 @@
 </p:sld>
 </file>
 
-<file path=ppt/slides/slide6.xml><?xml version="1.0" encoding="utf-8"?>
+<file path=ppt/slides/slide7.xml><?xml version="1.0" encoding="utf-8"?>
 <p:sld xmlns:a="http://schemas.openxmlformats.org/drawingml/2006/main" xmlns:r="http://schemas.openxmlformats.org/officeDocument/2006/relationships" xmlns:p="http://schemas.openxmlformats.org/presentationml/2006/main">
   <p:cSld>
     <p:spTree>
